--- a/Challenge_0/PPTXs/Top_Down_Approach.pptx
+++ b/Challenge_0/PPTXs/Top_Down_Approach.pptx
@@ -5,7 +5,7 @@
     <p:sldMasterId id="2147483660" r:id="rId1"/>
   </p:sldMasterIdLst>
   <p:notesMasterIdLst>
-    <p:notesMasterId r:id="rId11"/>
+    <p:notesMasterId r:id="rId13"/>
   </p:notesMasterIdLst>
   <p:sldIdLst>
     <p:sldId id="262" r:id="rId2"/>
@@ -16,31 +16,33 @@
     <p:sldId id="286" r:id="rId7"/>
     <p:sldId id="287" r:id="rId8"/>
     <p:sldId id="306" r:id="rId9"/>
-    <p:sldId id="278" r:id="rId10"/>
+    <p:sldId id="307" r:id="rId10"/>
+    <p:sldId id="308" r:id="rId11"/>
+    <p:sldId id="278" r:id="rId12"/>
   </p:sldIdLst>
   <p:sldSz cx="9144000" cy="5143500" type="screen16x9"/>
   <p:notesSz cx="6858000" cy="9144000"/>
   <p:embeddedFontLst>
     <p:embeddedFont>
       <p:font typeface="Muli Regular" panose="020B0604020202020204" charset="0"/>
-      <p:regular r:id="rId12"/>
-      <p:bold r:id="rId13"/>
-      <p:italic r:id="rId14"/>
-      <p:boldItalic r:id="rId15"/>
+      <p:regular r:id="rId14"/>
+      <p:bold r:id="rId15"/>
+      <p:italic r:id="rId16"/>
+      <p:boldItalic r:id="rId17"/>
     </p:embeddedFont>
     <p:embeddedFont>
       <p:font typeface="Poppins" panose="00000500000000000000" pitchFamily="2" charset="0"/>
-      <p:regular r:id="rId16"/>
-      <p:bold r:id="rId17"/>
-      <p:italic r:id="rId18"/>
-      <p:boldItalic r:id="rId19"/>
+      <p:regular r:id="rId18"/>
+      <p:bold r:id="rId19"/>
+      <p:italic r:id="rId20"/>
+      <p:boldItalic r:id="rId21"/>
     </p:embeddedFont>
     <p:embeddedFont>
       <p:font typeface="Poppins Light" panose="00000400000000000000" pitchFamily="2" charset="0"/>
-      <p:regular r:id="rId20"/>
-      <p:bold r:id="rId21"/>
-      <p:italic r:id="rId22"/>
-      <p:boldItalic r:id="rId23"/>
+      <p:regular r:id="rId22"/>
+      <p:bold r:id="rId23"/>
+      <p:italic r:id="rId24"/>
+      <p:boldItalic r:id="rId25"/>
     </p:embeddedFont>
   </p:embeddedFontLst>
   <p:defaultTextStyle>
@@ -865,6 +867,251 @@
 </p:notes>
 </file>
 
+<file path=ppt/notesSlides/notesSlide10.xml><?xml version="1.0" encoding="utf-8"?>
+<p:notes xmlns:a="http://schemas.openxmlformats.org/drawingml/2006/main" xmlns:r="http://schemas.openxmlformats.org/officeDocument/2006/relationships" xmlns:p="http://schemas.openxmlformats.org/presentationml/2006/main" showMasterSp="0" showMasterPhAnim="0">
+  <p:cSld>
+    <p:spTree>
+      <p:nvGrpSpPr>
+        <p:cNvPr id="1" name="Shape 129"/>
+        <p:cNvGrpSpPr/>
+        <p:nvPr/>
+      </p:nvGrpSpPr>
+      <p:grpSpPr>
+        <a:xfrm>
+          <a:off x="0" y="0"/>
+          <a:ext cx="0" cy="0"/>
+          <a:chOff x="0" y="0"/>
+          <a:chExt cx="0" cy="0"/>
+        </a:xfrm>
+      </p:grpSpPr>
+      <p:sp>
+        <p:nvSpPr>
+          <p:cNvPr id="130" name="Google Shape;130;g35f391192_045:notes"/>
+          <p:cNvSpPr>
+            <a:spLocks noGrp="1" noRot="1" noChangeAspect="1"/>
+          </p:cNvSpPr>
+          <p:nvPr>
+            <p:ph type="sldImg" idx="2"/>
+          </p:nvPr>
+        </p:nvSpPr>
+        <p:spPr>
+          <a:xfrm>
+            <a:off x="381000" y="685800"/>
+            <a:ext cx="6096000" cy="3429000"/>
+          </a:xfrm>
+          <a:custGeom>
+            <a:avLst/>
+            <a:gdLst/>
+            <a:ahLst/>
+            <a:cxnLst/>
+            <a:rect l="l" t="t" r="r" b="b"/>
+            <a:pathLst>
+              <a:path w="120000" h="120000" extrusionOk="0">
+                <a:moveTo>
+                  <a:pt x="0" y="0"/>
+                </a:moveTo>
+                <a:lnTo>
+                  <a:pt x="120000" y="0"/>
+                </a:lnTo>
+                <a:lnTo>
+                  <a:pt x="120000" y="120000"/>
+                </a:lnTo>
+                <a:lnTo>
+                  <a:pt x="0" y="120000"/>
+                </a:lnTo>
+                <a:close/>
+              </a:path>
+            </a:pathLst>
+          </a:custGeom>
+        </p:spPr>
+      </p:sp>
+      <p:sp>
+        <p:nvSpPr>
+          <p:cNvPr id="131" name="Google Shape;131;g35f391192_045:notes"/>
+          <p:cNvSpPr txBox="1">
+            <a:spLocks noGrp="1"/>
+          </p:cNvSpPr>
+          <p:nvPr>
+            <p:ph type="body" idx="1"/>
+          </p:nvPr>
+        </p:nvSpPr>
+        <p:spPr>
+          <a:xfrm>
+            <a:off x="685800" y="4343400"/>
+            <a:ext cx="5486400" cy="4114800"/>
+          </a:xfrm>
+          <a:prstGeom prst="rect">
+            <a:avLst/>
+          </a:prstGeom>
+        </p:spPr>
+        <p:txBody>
+          <a:bodyPr spcFirstLastPara="1" wrap="square" lIns="91425" tIns="91425" rIns="91425" bIns="91425" anchor="t" anchorCtr="0">
+            <a:noAutofit/>
+          </a:bodyPr>
+          <a:lstStyle/>
+          <a:p>
+            <a:pPr>
+              <a:buFont typeface="Arial" panose="020B0604020202020204" pitchFamily="34" charset="0"/>
+              <a:buChar char="•"/>
+            </a:pPr>
+            <a:r>
+              <a:rPr lang="vi-VN" dirty="0"/>
+              <a:t>Vấn đề của cách tiếp cận này đó là nó không dạy bạn những định nghĩa, nguyên tắc cơ bản.</a:t>
+            </a:r>
+          </a:p>
+          <a:p>
+            <a:pPr>
+              <a:buFont typeface="Arial" panose="020B0604020202020204" pitchFamily="34" charset="0"/>
+              <a:buChar char="•"/>
+            </a:pPr>
+            <a:endParaRPr lang="vi-VN" dirty="0"/>
+          </a:p>
+          <a:p>
+            <a:pPr>
+              <a:buFont typeface="Arial" panose="020B0604020202020204" pitchFamily="34" charset="0"/>
+              <a:buChar char="•"/>
+            </a:pPr>
+            <a:r>
+              <a:rPr lang="vi-VN" dirty="0"/>
+              <a:t>Cuối mỗi </a:t>
+            </a:r>
+            <a:r>
+              <a:rPr lang="vi-VN" dirty="0" err="1"/>
+              <a:t>tutorial</a:t>
+            </a:r>
+            <a:r>
+              <a:rPr lang="vi-VN" dirty="0"/>
+              <a:t>, bạn có thể sẽ không hiểu được là sản phẩm (phần mềm) của bạn hoạt động như thế nào. Thậm chí nếu một </a:t>
+            </a:r>
+            <a:r>
+              <a:rPr lang="vi-VN" dirty="0" err="1"/>
+              <a:t>tutorial</a:t>
+            </a:r>
+            <a:r>
+              <a:rPr lang="vi-VN" dirty="0"/>
+              <a:t> không đủ chi tiết, bạn có thể phải vật lộn để giải quyết vấn đề của nó, khi bạn đi chệch hướng, dù là nhỏ nhất, bạn có thể sẽ không thể hoàn thành nó và không thể chẩn đoán được vấn đề mắc phải. Nó giống như bạn bị ném thẳng vào chỗ sâu nhất của bể bơi trước khi bạn biết bơi.</a:t>
+            </a:r>
+            <a:endParaRPr dirty="0"/>
+          </a:p>
+        </p:txBody>
+      </p:sp>
+    </p:spTree>
+    <p:extLst>
+      <p:ext uri="{BB962C8B-B14F-4D97-AF65-F5344CB8AC3E}">
+        <p14:creationId xmlns:p14="http://schemas.microsoft.com/office/powerpoint/2010/main" val="1278260996"/>
+      </p:ext>
+    </p:extLst>
+  </p:cSld>
+  <p:clrMapOvr>
+    <a:masterClrMapping/>
+  </p:clrMapOvr>
+</p:notes>
+</file>
+
+<file path=ppt/notesSlides/notesSlide11.xml><?xml version="1.0" encoding="utf-8"?>
+<p:notes xmlns:a="http://schemas.openxmlformats.org/drawingml/2006/main" xmlns:r="http://schemas.openxmlformats.org/officeDocument/2006/relationships" xmlns:p="http://schemas.openxmlformats.org/presentationml/2006/main" showMasterSp="0" showMasterPhAnim="0">
+  <p:cSld>
+    <p:spTree>
+      <p:nvGrpSpPr>
+        <p:cNvPr id="1" name="Shape 298"/>
+        <p:cNvGrpSpPr/>
+        <p:nvPr/>
+      </p:nvGrpSpPr>
+      <p:grpSpPr>
+        <a:xfrm>
+          <a:off x="0" y="0"/>
+          <a:ext cx="0" cy="0"/>
+          <a:chOff x="0" y="0"/>
+          <a:chExt cx="0" cy="0"/>
+        </a:xfrm>
+      </p:grpSpPr>
+      <p:sp>
+        <p:nvSpPr>
+          <p:cNvPr id="299" name="Google Shape;299;g35ed75ccf_022:notes"/>
+          <p:cNvSpPr>
+            <a:spLocks noGrp="1" noRot="1" noChangeAspect="1"/>
+          </p:cNvSpPr>
+          <p:nvPr>
+            <p:ph type="sldImg" idx="2"/>
+          </p:nvPr>
+        </p:nvSpPr>
+        <p:spPr>
+          <a:xfrm>
+            <a:off x="381000" y="685800"/>
+            <a:ext cx="6096000" cy="3429000"/>
+          </a:xfrm>
+          <a:custGeom>
+            <a:avLst/>
+            <a:gdLst/>
+            <a:ahLst/>
+            <a:cxnLst/>
+            <a:rect l="l" t="t" r="r" b="b"/>
+            <a:pathLst>
+              <a:path w="120000" h="120000" extrusionOk="0">
+                <a:moveTo>
+                  <a:pt x="0" y="0"/>
+                </a:moveTo>
+                <a:lnTo>
+                  <a:pt x="120000" y="0"/>
+                </a:lnTo>
+                <a:lnTo>
+                  <a:pt x="120000" y="120000"/>
+                </a:lnTo>
+                <a:lnTo>
+                  <a:pt x="0" y="120000"/>
+                </a:lnTo>
+                <a:close/>
+              </a:path>
+            </a:pathLst>
+          </a:custGeom>
+        </p:spPr>
+      </p:sp>
+      <p:sp>
+        <p:nvSpPr>
+          <p:cNvPr id="300" name="Google Shape;300;g35ed75ccf_022:notes"/>
+          <p:cNvSpPr txBox="1">
+            <a:spLocks noGrp="1"/>
+          </p:cNvSpPr>
+          <p:nvPr>
+            <p:ph type="body" idx="1"/>
+          </p:nvPr>
+        </p:nvSpPr>
+        <p:spPr>
+          <a:xfrm>
+            <a:off x="685800" y="4343400"/>
+            <a:ext cx="5486400" cy="4114800"/>
+          </a:xfrm>
+          <a:prstGeom prst="rect">
+            <a:avLst/>
+          </a:prstGeom>
+        </p:spPr>
+        <p:txBody>
+          <a:bodyPr spcFirstLastPara="1" wrap="square" lIns="91425" tIns="91425" rIns="91425" bIns="91425" anchor="t" anchorCtr="0">
+            <a:noAutofit/>
+          </a:bodyPr>
+          <a:lstStyle/>
+          <a:p>
+            <a:pPr marL="0" lvl="0" indent="0" algn="l" rtl="0">
+              <a:spcBef>
+                <a:spcPts val="0"/>
+              </a:spcBef>
+              <a:spcAft>
+                <a:spcPts val="0"/>
+              </a:spcAft>
+              <a:buNone/>
+            </a:pPr>
+            <a:endParaRPr/>
+          </a:p>
+        </p:txBody>
+      </p:sp>
+    </p:spTree>
+  </p:cSld>
+  <p:clrMapOvr>
+    <a:masterClrMapping/>
+  </p:clrMapOvr>
+</p:notes>
+</file>
+
 <file path=ppt/notesSlides/notesSlide2.xml><?xml version="1.0" encoding="utf-8"?>
 <p:notes xmlns:a="http://schemas.openxmlformats.org/drawingml/2006/main" xmlns:r="http://schemas.openxmlformats.org/officeDocument/2006/relationships" xmlns:p="http://schemas.openxmlformats.org/presentationml/2006/main" showMasterSp="0" showMasterPhAnim="0">
   <p:cSld>
@@ -1943,7 +2190,7 @@
   <p:cSld>
     <p:spTree>
       <p:nvGrpSpPr>
-        <p:cNvPr id="1" name="Shape 298"/>
+        <p:cNvPr id="1" name="Shape 82"/>
         <p:cNvGrpSpPr/>
         <p:nvPr/>
       </p:nvGrpSpPr>
@@ -1957,7 +2204,7 @@
       </p:grpSpPr>
       <p:sp>
         <p:nvSpPr>
-          <p:cNvPr id="299" name="Google Shape;299;g35ed75ccf_022:notes"/>
+          <p:cNvPr id="83" name="Google Shape;83;g35f391192_029:notes"/>
           <p:cNvSpPr>
             <a:spLocks noGrp="1" noRot="1" noChangeAspect="1"/>
           </p:cNvSpPr>
@@ -1998,7 +2245,7 @@
       </p:sp>
       <p:sp>
         <p:nvSpPr>
-          <p:cNvPr id="300" name="Google Shape;300;g35ed75ccf_022:notes"/>
+          <p:cNvPr id="84" name="Google Shape;84;g35f391192_029:notes"/>
           <p:cNvSpPr txBox="1">
             <a:spLocks noGrp="1"/>
           </p:cNvSpPr>
@@ -2030,11 +2277,16 @@
               </a:spcAft>
               <a:buNone/>
             </a:pPr>
-            <a:endParaRPr/>
+            <a:endParaRPr dirty="0"/>
           </a:p>
         </p:txBody>
       </p:sp>
     </p:spTree>
+    <p:extLst>
+      <p:ext uri="{BB962C8B-B14F-4D97-AF65-F5344CB8AC3E}">
+        <p14:creationId xmlns:p14="http://schemas.microsoft.com/office/powerpoint/2010/main" val="3902223628"/>
+      </p:ext>
+    </p:extLst>
   </p:cSld>
   <p:clrMapOvr>
     <a:masterClrMapping/>
@@ -8702,6 +8954,350 @@
 </p:sld>
 </file>
 
+<file path=ppt/slides/slide10.xml><?xml version="1.0" encoding="utf-8"?>
+<p:sld xmlns:a="http://schemas.openxmlformats.org/drawingml/2006/main" xmlns:r="http://schemas.openxmlformats.org/officeDocument/2006/relationships" xmlns:p="http://schemas.openxmlformats.org/presentationml/2006/main">
+  <p:cSld>
+    <p:spTree>
+      <p:nvGrpSpPr>
+        <p:cNvPr id="1" name="Shape 132"/>
+        <p:cNvGrpSpPr/>
+        <p:nvPr/>
+      </p:nvGrpSpPr>
+      <p:grpSpPr>
+        <a:xfrm>
+          <a:off x="0" y="0"/>
+          <a:ext cx="0" cy="0"/>
+          <a:chOff x="0" y="0"/>
+          <a:chExt cx="0" cy="0"/>
+        </a:xfrm>
+      </p:grpSpPr>
+      <p:pic>
+        <p:nvPicPr>
+          <p:cNvPr id="3" name="Picture 2">
+            <a:extLst>
+              <a:ext uri="{FF2B5EF4-FFF2-40B4-BE49-F238E27FC236}">
+                <a16:creationId xmlns:a16="http://schemas.microsoft.com/office/drawing/2014/main" id="{6C902865-D13F-0FAA-2E5C-D85B158760DC}"/>
+              </a:ext>
+            </a:extLst>
+          </p:cNvPr>
+          <p:cNvPicPr>
+            <a:picLocks noChangeAspect="1"/>
+          </p:cNvPicPr>
+          <p:nvPr/>
+        </p:nvPicPr>
+        <p:blipFill>
+          <a:blip r:embed="rId3"/>
+          <a:stretch>
+            <a:fillRect/>
+          </a:stretch>
+        </p:blipFill>
+        <p:spPr>
+          <a:xfrm>
+            <a:off x="715117" y="70963"/>
+            <a:ext cx="7063861" cy="5301137"/>
+          </a:xfrm>
+          <a:prstGeom prst="rect">
+            <a:avLst/>
+          </a:prstGeom>
+        </p:spPr>
+      </p:pic>
+      <p:sp>
+        <p:nvSpPr>
+          <p:cNvPr id="133" name="Google Shape;133;p22"/>
+          <p:cNvSpPr txBox="1">
+            <a:spLocks noGrp="1"/>
+          </p:cNvSpPr>
+          <p:nvPr>
+            <p:ph type="title"/>
+          </p:nvPr>
+        </p:nvSpPr>
+        <p:spPr>
+          <a:xfrm>
+            <a:off x="435219" y="310017"/>
+            <a:ext cx="7726680" cy="857400"/>
+          </a:xfrm>
+          <a:prstGeom prst="rect">
+            <a:avLst/>
+          </a:prstGeom>
+        </p:spPr>
+        <p:txBody>
+          <a:bodyPr spcFirstLastPara="1" wrap="square" lIns="0" tIns="0" rIns="0" bIns="0" anchor="b" anchorCtr="0">
+            <a:noAutofit/>
+          </a:bodyPr>
+          <a:lstStyle/>
+          <a:p>
+            <a:pPr marL="0" lvl="0" indent="0" algn="l" rtl="0">
+              <a:spcBef>
+                <a:spcPts val="0"/>
+              </a:spcBef>
+              <a:spcAft>
+                <a:spcPts val="0"/>
+              </a:spcAft>
+              <a:buNone/>
+            </a:pPr>
+            <a:r>
+              <a:rPr lang="vi-VN" sz="2000" dirty="0" err="1"/>
+              <a:t>Example</a:t>
+            </a:r>
+            <a:r>
+              <a:rPr lang="vi-VN" sz="2000" dirty="0"/>
+              <a:t> </a:t>
+            </a:r>
+            <a:r>
+              <a:rPr lang="vi-VN" sz="2000" dirty="0" err="1"/>
+              <a:t>for</a:t>
+            </a:r>
+            <a:r>
+              <a:rPr lang="vi-VN" sz="2000" dirty="0"/>
+              <a:t> </a:t>
+            </a:r>
+            <a:r>
+              <a:rPr lang="vi-VN" sz="2000" dirty="0" err="1"/>
+              <a:t>top-down</a:t>
+            </a:r>
+            <a:r>
+              <a:rPr lang="vi-VN" sz="2000" dirty="0"/>
+              <a:t> </a:t>
+            </a:r>
+            <a:r>
+              <a:rPr lang="vi-VN" sz="2000" dirty="0" err="1"/>
+              <a:t>approach</a:t>
+            </a:r>
+            <a:r>
+              <a:rPr lang="vi-VN" sz="2000" dirty="0"/>
+              <a:t> in </a:t>
+            </a:r>
+            <a:r>
+              <a:rPr lang="vi-VN" sz="2000" dirty="0" err="1"/>
+              <a:t>coding</a:t>
+            </a:r>
+            <a:r>
+              <a:rPr lang="vi-VN" sz="2000" dirty="0"/>
+              <a:t> a </a:t>
+            </a:r>
+            <a:r>
+              <a:rPr lang="vi-VN" sz="2000" dirty="0" err="1"/>
+              <a:t>webshop</a:t>
+            </a:r>
+            <a:r>
+              <a:rPr lang="vi-VN" sz="2000" dirty="0"/>
+              <a:t>:</a:t>
+            </a:r>
+            <a:endParaRPr lang="en-US" sz="2000" dirty="0"/>
+          </a:p>
+        </p:txBody>
+      </p:sp>
+      <p:sp>
+        <p:nvSpPr>
+          <p:cNvPr id="137" name="Google Shape;137;p22"/>
+          <p:cNvSpPr txBox="1">
+            <a:spLocks noGrp="1"/>
+          </p:cNvSpPr>
+          <p:nvPr>
+            <p:ph type="sldNum" idx="12"/>
+          </p:nvPr>
+        </p:nvSpPr>
+        <p:spPr>
+          <a:xfrm>
+            <a:off x="8480584" y="4749851"/>
+            <a:ext cx="548700" cy="393600"/>
+          </a:xfrm>
+          <a:prstGeom prst="rect">
+            <a:avLst/>
+          </a:prstGeom>
+        </p:spPr>
+        <p:txBody>
+          <a:bodyPr spcFirstLastPara="1" wrap="square" lIns="0" tIns="0" rIns="0" bIns="0" anchor="ctr" anchorCtr="0">
+            <a:noAutofit/>
+          </a:bodyPr>
+          <a:lstStyle/>
+          <a:p>
+            <a:pPr marL="0" lvl="0" indent="0" algn="r" rtl="0">
+              <a:spcBef>
+                <a:spcPts val="0"/>
+              </a:spcBef>
+              <a:spcAft>
+                <a:spcPts val="0"/>
+              </a:spcAft>
+              <a:buNone/>
+            </a:pPr>
+            <a:fld id="{00000000-1234-1234-1234-123412341234}" type="slidenum">
+              <a:rPr lang="en"/>
+              <a:t>10</a:t>
+            </a:fld>
+            <a:endParaRPr/>
+          </a:p>
+        </p:txBody>
+      </p:sp>
+    </p:spTree>
+    <p:extLst>
+      <p:ext uri="{BB962C8B-B14F-4D97-AF65-F5344CB8AC3E}">
+        <p14:creationId xmlns:p14="http://schemas.microsoft.com/office/powerpoint/2010/main" val="3252560647"/>
+      </p:ext>
+    </p:extLst>
+  </p:cSld>
+  <p:clrMapOvr>
+    <a:masterClrMapping/>
+  </p:clrMapOvr>
+</p:sld>
+</file>
+
+<file path=ppt/slides/slide11.xml><?xml version="1.0" encoding="utf-8"?>
+<p:sld xmlns:a="http://schemas.openxmlformats.org/drawingml/2006/main" xmlns:r="http://schemas.openxmlformats.org/officeDocument/2006/relationships" xmlns:p="http://schemas.openxmlformats.org/presentationml/2006/main">
+  <p:cSld>
+    <p:spTree>
+      <p:nvGrpSpPr>
+        <p:cNvPr id="1" name="Shape 301"/>
+        <p:cNvGrpSpPr/>
+        <p:nvPr/>
+      </p:nvGrpSpPr>
+      <p:grpSpPr>
+        <a:xfrm>
+          <a:off x="0" y="0"/>
+          <a:ext cx="0" cy="0"/>
+          <a:chOff x="0" y="0"/>
+          <a:chExt cx="0" cy="0"/>
+        </a:xfrm>
+      </p:grpSpPr>
+      <p:sp>
+        <p:nvSpPr>
+          <p:cNvPr id="302" name="Google Shape;302;p36"/>
+          <p:cNvSpPr txBox="1">
+            <a:spLocks noGrp="1"/>
+          </p:cNvSpPr>
+          <p:nvPr>
+            <p:ph type="ctrTitle" idx="4294967295"/>
+          </p:nvPr>
+        </p:nvSpPr>
+        <p:spPr>
+          <a:xfrm>
+            <a:off x="685800" y="440350"/>
+            <a:ext cx="4863900" cy="1159800"/>
+          </a:xfrm>
+          <a:prstGeom prst="rect">
+            <a:avLst/>
+          </a:prstGeom>
+        </p:spPr>
+        <p:txBody>
+          <a:bodyPr spcFirstLastPara="1" wrap="square" lIns="0" tIns="0" rIns="0" bIns="0" anchor="b" anchorCtr="0">
+            <a:noAutofit/>
+          </a:bodyPr>
+          <a:lstStyle/>
+          <a:p>
+            <a:pPr marL="0" lvl="0" indent="0" algn="l" rtl="0">
+              <a:spcBef>
+                <a:spcPts val="0"/>
+              </a:spcBef>
+              <a:spcAft>
+                <a:spcPts val="0"/>
+              </a:spcAft>
+              <a:buNone/>
+            </a:pPr>
+            <a:r>
+              <a:rPr lang="en" sz="6000" dirty="0"/>
+              <a:t>Thanks!</a:t>
+            </a:r>
+            <a:endParaRPr sz="6000" dirty="0"/>
+          </a:p>
+        </p:txBody>
+      </p:sp>
+      <p:sp>
+        <p:nvSpPr>
+          <p:cNvPr id="303" name="Google Shape;303;p36"/>
+          <p:cNvSpPr txBox="1">
+            <a:spLocks noGrp="1"/>
+          </p:cNvSpPr>
+          <p:nvPr>
+            <p:ph type="subTitle" idx="4294967295"/>
+          </p:nvPr>
+        </p:nvSpPr>
+        <p:spPr>
+          <a:xfrm>
+            <a:off x="685800" y="1639925"/>
+            <a:ext cx="4863900" cy="784800"/>
+          </a:xfrm>
+          <a:prstGeom prst="rect">
+            <a:avLst/>
+          </a:prstGeom>
+        </p:spPr>
+        <p:txBody>
+          <a:bodyPr spcFirstLastPara="1" wrap="square" lIns="0" tIns="0" rIns="0" bIns="0" anchor="t" anchorCtr="0">
+            <a:noAutofit/>
+          </a:bodyPr>
+          <a:lstStyle/>
+          <a:p>
+            <a:pPr marL="0" lvl="0" indent="0" algn="l" rtl="0">
+              <a:spcBef>
+                <a:spcPts val="600"/>
+              </a:spcBef>
+              <a:spcAft>
+                <a:spcPts val="0"/>
+              </a:spcAft>
+              <a:buClr>
+                <a:schemeClr val="dk1"/>
+              </a:buClr>
+              <a:buSzPts val="1100"/>
+              <a:buFont typeface="Arial"/>
+              <a:buNone/>
+            </a:pPr>
+            <a:r>
+              <a:rPr lang="en" sz="3600" b="1" dirty="0"/>
+              <a:t>Any questions?</a:t>
+            </a:r>
+            <a:endParaRPr sz="3600" b="1" dirty="0"/>
+          </a:p>
+        </p:txBody>
+      </p:sp>
+      <p:sp>
+        <p:nvSpPr>
+          <p:cNvPr id="305" name="Google Shape;305;p36"/>
+          <p:cNvSpPr txBox="1">
+            <a:spLocks noGrp="1"/>
+          </p:cNvSpPr>
+          <p:nvPr>
+            <p:ph type="sldNum" idx="12"/>
+          </p:nvPr>
+        </p:nvSpPr>
+        <p:spPr>
+          <a:xfrm>
+            <a:off x="8480584" y="4749851"/>
+            <a:ext cx="548700" cy="393600"/>
+          </a:xfrm>
+          <a:prstGeom prst="rect">
+            <a:avLst/>
+          </a:prstGeom>
+        </p:spPr>
+        <p:txBody>
+          <a:bodyPr spcFirstLastPara="1" wrap="square" lIns="0" tIns="0" rIns="0" bIns="0" anchor="ctr" anchorCtr="0">
+            <a:noAutofit/>
+          </a:bodyPr>
+          <a:lstStyle/>
+          <a:p>
+            <a:pPr marL="0" lvl="0" indent="0" algn="r" rtl="0">
+              <a:spcBef>
+                <a:spcPts val="0"/>
+              </a:spcBef>
+              <a:spcAft>
+                <a:spcPts val="0"/>
+              </a:spcAft>
+              <a:buNone/>
+            </a:pPr>
+            <a:fld id="{00000000-1234-1234-1234-123412341234}" type="slidenum">
+              <a:rPr lang="en"/>
+              <a:t>11</a:t>
+            </a:fld>
+            <a:endParaRPr/>
+          </a:p>
+        </p:txBody>
+      </p:sp>
+    </p:spTree>
+  </p:cSld>
+  <p:clrMapOvr>
+    <a:masterClrMapping/>
+  </p:clrMapOvr>
+</p:sld>
+</file>
+
 <file path=ppt/slides/slide2.xml><?xml version="1.0" encoding="utf-8"?>
 <p:sld xmlns:a="http://schemas.openxmlformats.org/drawingml/2006/main" xmlns:r="http://schemas.openxmlformats.org/officeDocument/2006/relationships" xmlns:p="http://schemas.openxmlformats.org/presentationml/2006/main">
   <p:cSld>
@@ -10146,7 +10742,7 @@
   <p:cSld>
     <p:spTree>
       <p:nvGrpSpPr>
-        <p:cNvPr id="1" name="Shape 301"/>
+        <p:cNvPr id="1" name="Shape 85"/>
         <p:cNvGrpSpPr/>
         <p:nvPr/>
       </p:nvGrpSpPr>
@@ -10160,18 +10756,18 @@
       </p:grpSpPr>
       <p:sp>
         <p:nvSpPr>
-          <p:cNvPr id="302" name="Google Shape;302;p36"/>
+          <p:cNvPr id="86" name="Google Shape;86;p17"/>
           <p:cNvSpPr txBox="1">
             <a:spLocks noGrp="1"/>
           </p:cNvSpPr>
           <p:nvPr>
-            <p:ph type="ctrTitle" idx="4294967295"/>
+            <p:ph type="ctrTitle"/>
           </p:nvPr>
         </p:nvSpPr>
         <p:spPr>
           <a:xfrm>
-            <a:off x="685800" y="440350"/>
-            <a:ext cx="4863900" cy="1159800"/>
+            <a:off x="429322" y="2571750"/>
+            <a:ext cx="4973100" cy="1159800"/>
           </a:xfrm>
           <a:prstGeom prst="rect">
             <a:avLst/>
@@ -10193,103 +10789,34 @@
               <a:buNone/>
             </a:pPr>
             <a:r>
-              <a:rPr lang="en" sz="6000" dirty="0"/>
-              <a:t>Thanks!</a:t>
-            </a:r>
-            <a:endParaRPr sz="6000" dirty="0"/>
-          </a:p>
-        </p:txBody>
-      </p:sp>
-      <p:sp>
-        <p:nvSpPr>
-          <p:cNvPr id="303" name="Google Shape;303;p36"/>
-          <p:cNvSpPr txBox="1">
-            <a:spLocks noGrp="1"/>
-          </p:cNvSpPr>
-          <p:nvPr>
-            <p:ph type="subTitle" idx="4294967295"/>
-          </p:nvPr>
-        </p:nvSpPr>
-        <p:spPr>
-          <a:xfrm>
-            <a:off x="685800" y="1639925"/>
-            <a:ext cx="4863900" cy="784800"/>
-          </a:xfrm>
-          <a:prstGeom prst="rect">
-            <a:avLst/>
-          </a:prstGeom>
-        </p:spPr>
-        <p:txBody>
-          <a:bodyPr spcFirstLastPara="1" wrap="square" lIns="0" tIns="0" rIns="0" bIns="0" anchor="t" anchorCtr="0">
-            <a:noAutofit/>
-          </a:bodyPr>
-          <a:lstStyle/>
-          <a:p>
-            <a:pPr marL="0" lvl="0" indent="0" algn="l" rtl="0">
-              <a:spcBef>
-                <a:spcPts val="600"/>
-              </a:spcBef>
-              <a:spcAft>
-                <a:spcPts val="0"/>
-              </a:spcAft>
-              <a:buClr>
-                <a:schemeClr val="dk1"/>
-              </a:buClr>
-              <a:buSzPts val="1100"/>
-              <a:buFont typeface="Arial"/>
-              <a:buNone/>
-            </a:pPr>
-            <a:r>
-              <a:rPr lang="en" sz="3600" b="1" dirty="0"/>
-              <a:t>Any questions?</a:t>
-            </a:r>
-            <a:endParaRPr sz="3600" b="1" dirty="0"/>
-          </a:p>
-        </p:txBody>
-      </p:sp>
-      <p:sp>
-        <p:nvSpPr>
-          <p:cNvPr id="305" name="Google Shape;305;p36"/>
-          <p:cNvSpPr txBox="1">
-            <a:spLocks noGrp="1"/>
-          </p:cNvSpPr>
-          <p:nvPr>
-            <p:ph type="sldNum" idx="12"/>
-          </p:nvPr>
-        </p:nvSpPr>
-        <p:spPr>
-          <a:xfrm>
-            <a:off x="8480584" y="4749851"/>
-            <a:ext cx="548700" cy="393600"/>
-          </a:xfrm>
-          <a:prstGeom prst="rect">
-            <a:avLst/>
-          </a:prstGeom>
-        </p:spPr>
-        <p:txBody>
-          <a:bodyPr spcFirstLastPara="1" wrap="square" lIns="0" tIns="0" rIns="0" bIns="0" anchor="ctr" anchorCtr="0">
-            <a:noAutofit/>
-          </a:bodyPr>
-          <a:lstStyle/>
-          <a:p>
-            <a:pPr marL="0" lvl="0" indent="0" algn="r" rtl="0">
-              <a:spcBef>
-                <a:spcPts val="0"/>
-              </a:spcBef>
-              <a:spcAft>
-                <a:spcPts val="0"/>
-              </a:spcAft>
-              <a:buNone/>
-            </a:pPr>
-            <a:fld id="{00000000-1234-1234-1234-123412341234}" type="slidenum">
-              <a:rPr lang="en"/>
-              <a:t>9</a:t>
-            </a:fld>
-            <a:endParaRPr/>
+              <a:rPr lang="vi-VN" dirty="0"/>
+              <a:t>3</a:t>
+            </a:r>
+            <a:r>
+              <a:rPr lang="en" dirty="0"/>
+              <a:t>.</a:t>
+            </a:r>
+            <a:r>
+              <a:rPr lang="vi-VN" dirty="0"/>
+              <a:t> </a:t>
+            </a:r>
+            <a:r>
+              <a:rPr lang="vi-VN" dirty="0" err="1"/>
+              <a:t>Demo</a:t>
+            </a:r>
+            <a:r>
+              <a:rPr lang="vi-VN" dirty="0"/>
+              <a:t> </a:t>
+            </a:r>
           </a:p>
         </p:txBody>
       </p:sp>
     </p:spTree>
+    <p:extLst>
+      <p:ext uri="{BB962C8B-B14F-4D97-AF65-F5344CB8AC3E}">
+        <p14:creationId xmlns:p14="http://schemas.microsoft.com/office/powerpoint/2010/main" val="2868047271"/>
+      </p:ext>
+    </p:extLst>
   </p:cSld>
   <p:clrMapOvr>
     <a:masterClrMapping/>
